--- a/report/进展 5.13.pptx
+++ b/report/进展 5.13.pptx
@@ -3475,7 +3475,19 @@
             </a:pPr>
             <a:r>
               <a:rPr lang="zh-CN" altLang="en-US" dirty="0"/>
-              <a:t>和陈渝老师以及贾助教梳理了负载均衡的整体架构。</a:t>
+              <a:t>和贾助教梳理了负载均衡的整体架构</a:t>
+            </a:r>
+            <a:endParaRPr lang="en-US" altLang="zh-CN" dirty="0"/>
+          </a:p>
+          <a:p>
+            <a:pPr>
+              <a:lnSpc>
+                <a:spcPct val="150000"/>
+              </a:lnSpc>
+            </a:pPr>
+            <a:r>
+              <a:rPr lang="zh-CN" altLang="en-US"/>
+              <a:t>得到了陈渝老师的指导，解决了部分问题</a:t>
             </a:r>
             <a:endParaRPr lang="en-US" altLang="zh-CN" dirty="0"/>
           </a:p>

--- a/report/进展 5.13.pptx
+++ b/report/进展 5.13.pptx
@@ -109,6 +109,11 @@
       </a:defRPr>
     </a:lvl9pPr>
   </p:defaultTextStyle>
+  <p:extLst>
+    <p:ext uri="{EFAFB233-063F-42B5-8137-9DF3F51BA10A}">
+      <p15:sldGuideLst xmlns:p15="http://schemas.microsoft.com/office/powerpoint/2012/main"/>
+    </p:ext>
+  </p:extLst>
 </p:presentation>
 </file>
 
@@ -3988,20 +3993,12 @@
               </a:lnSpc>
             </a:pPr>
             <a:r>
+              <a:rPr lang="zh-CN" altLang="en-US"/>
+              <a:t>主</a:t>
+            </a:r>
+            <a:r>
               <a:rPr lang="zh-CN" altLang="en-US" dirty="0"/>
-              <a:t>在按照框架实现的过程中发现，等待队列也应该改成多队列，否则仍然会有抢锁问题。</a:t>
-            </a:r>
-            <a:endParaRPr lang="en-US" altLang="zh-CN" dirty="0"/>
-          </a:p>
-          <a:p>
-            <a:pPr>
-              <a:lnSpc>
-                <a:spcPct val="150000"/>
-              </a:lnSpc>
-            </a:pPr>
-            <a:r>
-              <a:rPr lang="zh-CN" altLang="en-US" dirty="0"/>
-              <a:t>主核不是 </a:t>
+              <a:t>核不是 </a:t>
             </a:r>
             <a:r>
               <a:rPr lang="en-US" altLang="zh-CN" dirty="0"/>
